--- a/Presentation/BEC Hall.pptx
+++ b/Presentation/BEC Hall.pptx
@@ -273,7 +273,7 @@
             <a:fld id="{1D8BD707-D9CF-40AE-B4C6-C98DA3205C09}" type="datetimeFigureOut">
               <a:rPr lang="en-US" smtClean="0"/>
               <a:pPr/>
-              <a:t>4/13/2022</a:t>
+              <a:t>4/17/2022</a:t>
             </a:fld>
             <a:endParaRPr lang="en-US"/>
           </a:p>
@@ -634,7 +634,7 @@
             <a:fld id="{1D8BD707-D9CF-40AE-B4C6-C98DA3205C09}" type="datetimeFigureOut">
               <a:rPr lang="en-US" smtClean="0"/>
               <a:pPr/>
-              <a:t>4/13/2022</a:t>
+              <a:t>4/17/2022</a:t>
             </a:fld>
             <a:endParaRPr lang="en-US"/>
           </a:p>
@@ -811,7 +811,7 @@
             <a:fld id="{1D8BD707-D9CF-40AE-B4C6-C98DA3205C09}" type="datetimeFigureOut">
               <a:rPr lang="en-US" smtClean="0"/>
               <a:pPr/>
-              <a:t>4/13/2022</a:t>
+              <a:t>4/17/2022</a:t>
             </a:fld>
             <a:endParaRPr lang="en-US"/>
           </a:p>
@@ -1048,7 +1048,7 @@
             <a:fld id="{1D8BD707-D9CF-40AE-B4C6-C98DA3205C09}" type="datetimeFigureOut">
               <a:rPr lang="en-US" smtClean="0"/>
               <a:pPr/>
-              <a:t>4/13/2022</a:t>
+              <a:t>4/17/2022</a:t>
             </a:fld>
             <a:endParaRPr lang="en-US"/>
           </a:p>
@@ -1319,7 +1319,7 @@
             <a:fld id="{1D8BD707-D9CF-40AE-B4C6-C98DA3205C09}" type="datetimeFigureOut">
               <a:rPr lang="en-US" smtClean="0"/>
               <a:pPr/>
-              <a:t>4/13/2022</a:t>
+              <a:t>4/17/2022</a:t>
             </a:fld>
             <a:endParaRPr lang="en-US"/>
           </a:p>
@@ -1541,7 +1541,7 @@
             <a:fld id="{1D8BD707-D9CF-40AE-B4C6-C98DA3205C09}" type="datetimeFigureOut">
               <a:rPr lang="en-US" smtClean="0"/>
               <a:pPr/>
-              <a:t>4/13/2022</a:t>
+              <a:t>4/17/2022</a:t>
             </a:fld>
             <a:endParaRPr lang="en-US"/>
           </a:p>
@@ -1895,7 +1895,7 @@
             <a:fld id="{1D8BD707-D9CF-40AE-B4C6-C98DA3205C09}" type="datetimeFigureOut">
               <a:rPr lang="en-US" smtClean="0"/>
               <a:pPr/>
-              <a:t>4/13/2022</a:t>
+              <a:t>4/17/2022</a:t>
             </a:fld>
             <a:endParaRPr lang="en-US"/>
           </a:p>
@@ -2129,7 +2129,7 @@
             <a:fld id="{1D8BD707-D9CF-40AE-B4C6-C98DA3205C09}" type="datetimeFigureOut">
               <a:rPr lang="en-US" smtClean="0"/>
               <a:pPr/>
-              <a:t>4/13/2022</a:t>
+              <a:t>4/17/2022</a:t>
             </a:fld>
             <a:endParaRPr lang="en-US"/>
           </a:p>
@@ -2271,7 +2271,7 @@
             <a:fld id="{1D8BD707-D9CF-40AE-B4C6-C98DA3205C09}" type="datetimeFigureOut">
               <a:rPr lang="en-US" smtClean="0"/>
               <a:pPr/>
-              <a:t>4/13/2022</a:t>
+              <a:t>4/17/2022</a:t>
             </a:fld>
             <a:endParaRPr lang="en-US"/>
           </a:p>
@@ -2550,7 +2550,7 @@
             <a:fld id="{1D8BD707-D9CF-40AE-B4C6-C98DA3205C09}" type="datetimeFigureOut">
               <a:rPr lang="en-US" smtClean="0"/>
               <a:pPr/>
-              <a:t>4/13/2022</a:t>
+              <a:t>4/17/2022</a:t>
             </a:fld>
             <a:endParaRPr lang="en-US"/>
           </a:p>
@@ -2959,7 +2959,7 @@
             <a:fld id="{1D8BD707-D9CF-40AE-B4C6-C98DA3205C09}" type="datetimeFigureOut">
               <a:rPr lang="en-US" smtClean="0"/>
               <a:pPr/>
-              <a:t>4/13/2022</a:t>
+              <a:t>4/17/2022</a:t>
             </a:fld>
             <a:endParaRPr lang="en-US"/>
           </a:p>
@@ -3299,7 +3299,7 @@
             <a:fld id="{1D8BD707-D9CF-40AE-B4C6-C98DA3205C09}" type="datetimeFigureOut">
               <a:rPr lang="en-US" smtClean="0"/>
               <a:pPr/>
-              <a:t>4/13/2022</a:t>
+              <a:t>4/17/2022</a:t>
             </a:fld>
             <a:endParaRPr lang="en-US"/>
           </a:p>
@@ -6114,11 +6114,7 @@
             <a:pPr algn="ctr"/>
             <a:r>
               <a:rPr lang="en-US" dirty="0" smtClean="0"/>
-              <a:t>Thank </a:t>
-            </a:r>
-            <a:r>
-              <a:rPr lang="en-US" dirty="0" smtClean="0"/>
-              <a:t>You </a:t>
+              <a:t>Thank You </a:t>
             </a:r>
             <a:r>
               <a:rPr lang="en-US" smtClean="0"/>
@@ -6524,7 +6520,31 @@
                 </a:solidFill>
                 <a:latin typeface="Arial Rounded MT Bold" pitchFamily="34" charset="0"/>
               </a:rPr>
-              <a:t>Login Alert &amp; Mail Notification</a:t>
+              <a:t>Login Alert &amp; Mail </a:t>
+            </a:r>
+            <a:r>
+              <a:rPr lang="en-US" sz="3600" dirty="0" smtClean="0">
+                <a:solidFill>
+                  <a:schemeClr val="tx1"/>
+                </a:solidFill>
+                <a:latin typeface="Arial Rounded MT Bold" pitchFamily="34" charset="0"/>
+              </a:rPr>
+              <a:t>Notification</a:t>
+            </a:r>
+          </a:p>
+          <a:p>
+            <a:pPr marL="742950" indent="-742950" algn="ctr">
+              <a:buFont typeface="+mj-lt"/>
+              <a:buAutoNum type="arabicPeriod" startAt="11"/>
+            </a:pPr>
+            <a:r>
+              <a:rPr lang="en-US" sz="3600" smtClean="0">
+                <a:solidFill>
+                  <a:schemeClr val="tx1"/>
+                </a:solidFill>
+                <a:latin typeface="Arial Rounded MT Bold" pitchFamily="34" charset="0"/>
+              </a:rPr>
+              <a:t>Daily/Hourly/monthly Backup</a:t>
             </a:r>
             <a:endParaRPr lang="en-US" sz="3600" dirty="0">
               <a:solidFill>
